--- a/Assignment 3.pptx
+++ b/Assignment 3.pptx
@@ -144,7 +144,7 @@
 <file path=ppt/revisionInfo.xml><?xml version="1.0" encoding="utf-8"?>
 <p1510:revInfo xmlns:a="http://schemas.openxmlformats.org/drawingml/2006/main" xmlns:r="http://schemas.openxmlformats.org/officeDocument/2006/relationships" xmlns:p1510="http://schemas.microsoft.com/office/powerpoint/2015/10/main">
   <p1510:revLst>
-    <p1510:client id="{A5733776-2E70-4A9D-A6F4-062CA87DCD94}" v="90" dt="2024-10-28T16:15:26.345"/>
+    <p1510:client id="{A5733776-2E70-4A9D-A6F4-062CA87DCD94}" v="92" dt="2024-10-28T18:45:24.234"/>
   </p1510:revLst>
 </p1510:revInfo>
 </file>
@@ -154,18 +154,18 @@
   <pc:docChgLst>
     <pc:chgData name="Tami McManus" userId="4a41d8b392a254fb" providerId="LiveId" clId="{A5733776-2E70-4A9D-A6F4-062CA87DCD94}"/>
     <pc:docChg chg="undo redo custSel addSld delSld modSld sldOrd">
-      <pc:chgData name="Tami McManus" userId="4a41d8b392a254fb" providerId="LiveId" clId="{A5733776-2E70-4A9D-A6F4-062CA87DCD94}" dt="2024-10-28T16:20:46.250" v="3590" actId="20577"/>
+      <pc:chgData name="Tami McManus" userId="4a41d8b392a254fb" providerId="LiveId" clId="{A5733776-2E70-4A9D-A6F4-062CA87DCD94}" dt="2024-10-28T18:45:24.234" v="3592" actId="20577"/>
       <pc:docMkLst>
         <pc:docMk/>
       </pc:docMkLst>
       <pc:sldChg chg="modSp">
-        <pc:chgData name="Tami McManus" userId="4a41d8b392a254fb" providerId="LiveId" clId="{A5733776-2E70-4A9D-A6F4-062CA87DCD94}" dt="2024-10-28T14:55:39.917" v="802" actId="20577"/>
+        <pc:chgData name="Tami McManus" userId="4a41d8b392a254fb" providerId="LiveId" clId="{A5733776-2E70-4A9D-A6F4-062CA87DCD94}" dt="2024-10-28T18:45:24.234" v="3592" actId="20577"/>
         <pc:sldMkLst>
           <pc:docMk/>
           <pc:sldMk cId="1039759085" sldId="256"/>
         </pc:sldMkLst>
         <pc:spChg chg="mod">
-          <ac:chgData name="Tami McManus" userId="4a41d8b392a254fb" providerId="LiveId" clId="{A5733776-2E70-4A9D-A6F4-062CA87DCD94}" dt="2024-10-28T14:55:39.917" v="802" actId="20577"/>
+          <ac:chgData name="Tami McManus" userId="4a41d8b392a254fb" providerId="LiveId" clId="{A5733776-2E70-4A9D-A6F4-062CA87DCD94}" dt="2024-10-28T18:45:24.234" v="3592" actId="20577"/>
           <ac:spMkLst>
             <pc:docMk/>
             <pc:sldMk cId="1039759085" sldId="256"/>
@@ -6583,12 +6583,12 @@
           <a:lstStyle/>
           <a:p>
             <a:r>
-              <a:rPr lang="en-US" sz="3200" cap="none" dirty="0">
+              <a:rPr lang="en-US" sz="3200" cap="none">
                 <a:solidFill>
                   <a:srgbClr val="FFFFFF"/>
                 </a:solidFill>
               </a:rPr>
-              <a:t>Assignment 2:</a:t>
+              <a:t>Assignment 3:</a:t>
             </a:r>
             <a:br>
               <a:rPr lang="en-US" sz="3200" cap="none" dirty="0">
@@ -23399,15 +23399,6 @@
 </file>
 
 <file path=customXml/item1.xml><?xml version="1.0" encoding="utf-8"?>
-<?mso-contentType ?>
-<FormTemplates xmlns="http://schemas.microsoft.com/sharepoint/v3/contenttype/forms">
-  <Display>DocumentLibraryForm</Display>
-  <Edit>DocumentLibraryForm</Edit>
-  <New>DocumentLibraryForm</New>
-</FormTemplates>
-</file>
-
-<file path=customXml/item2.xml><?xml version="1.0" encoding="utf-8"?>
 <p:properties xmlns:p="http://schemas.microsoft.com/office/2006/metadata/properties" xmlns:xsi="http://www.w3.org/2001/XMLSchema-instance" xmlns:pc="http://schemas.microsoft.com/office/infopath/2007/PartnerControls">
   <documentManagement>
     <_ip_UnifiedCompliancePolicyUIAction xmlns="http://schemas.microsoft.com/sharepoint/v3" xsi:nil="true"/>
@@ -23425,6 +23416,15 @@
     <MediaServiceKeyPoints xmlns="71af3243-3dd4-4a8d-8c0d-dd76da1f02a5" xsi:nil="true"/>
   </documentManagement>
 </p:properties>
+</file>
+
+<file path=customXml/item2.xml><?xml version="1.0" encoding="utf-8"?>
+<?mso-contentType ?>
+<FormTemplates xmlns="http://schemas.microsoft.com/sharepoint/v3/contenttype/forms">
+  <Display>DocumentLibraryForm</Display>
+  <Edit>DocumentLibraryForm</Edit>
+  <New>DocumentLibraryForm</New>
+</FormTemplates>
 </file>
 
 <file path=customXml/item3.xml><?xml version="1.0" encoding="utf-8"?>
@@ -23740,14 +23740,6 @@
 </file>
 
 <file path=customXml/itemProps1.xml><?xml version="1.0" encoding="utf-8"?>
-<ds:datastoreItem xmlns:ds="http://schemas.openxmlformats.org/officeDocument/2006/customXml" ds:itemID="{19D1F84C-D1FD-4B1B-9CFD-8E0D96AC4DF2}">
-  <ds:schemaRefs>
-    <ds:schemaRef ds:uri="http://schemas.microsoft.com/sharepoint/v3/contenttype/forms"/>
-  </ds:schemaRefs>
-</ds:datastoreItem>
-</file>
-
-<file path=customXml/itemProps2.xml><?xml version="1.0" encoding="utf-8"?>
 <ds:datastoreItem xmlns:ds="http://schemas.openxmlformats.org/officeDocument/2006/customXml" ds:itemID="{5A00B2AC-C335-4100-B8B3-2D9F49A72906}">
   <ds:schemaRefs>
     <ds:schemaRef ds:uri="16c05727-aa75-4e4a-9b5f-8a80a1165891"/>
@@ -23762,6 +23754,14 @@
     <ds:schemaRef ds:uri="http://schemas.openxmlformats.org/package/2006/metadata/core-properties"/>
     <ds:schemaRef ds:uri="http://schemas.microsoft.com/sharepoint/v3"/>
     <ds:schemaRef ds:uri="http://www.w3.org/XML/1998/namespace"/>
+  </ds:schemaRefs>
+</ds:datastoreItem>
+</file>
+
+<file path=customXml/itemProps2.xml><?xml version="1.0" encoding="utf-8"?>
+<ds:datastoreItem xmlns:ds="http://schemas.openxmlformats.org/officeDocument/2006/customXml" ds:itemID="{19D1F84C-D1FD-4B1B-9CFD-8E0D96AC4DF2}">
+  <ds:schemaRefs>
+    <ds:schemaRef ds:uri="http://schemas.microsoft.com/sharepoint/v3/contenttype/forms"/>
   </ds:schemaRefs>
 </ds:datastoreItem>
 </file>
